--- a/WISDOM_Client.pptx
+++ b/WISDOM_Client.pptx
@@ -7,12 +7,11 @@
   <p:sldIdLst>
     <p:sldId id="256" r:id="rId2"/>
     <p:sldId id="258" r:id="rId3"/>
-    <p:sldId id="259" r:id="rId4"/>
-    <p:sldId id="260" r:id="rId5"/>
-    <p:sldId id="261" r:id="rId6"/>
-    <p:sldId id="262" r:id="rId7"/>
+    <p:sldId id="260" r:id="rId4"/>
+    <p:sldId id="261" r:id="rId5"/>
+    <p:sldId id="262" r:id="rId6"/>
+    <p:sldId id="264" r:id="rId7"/>
     <p:sldId id="263" r:id="rId8"/>
-    <p:sldId id="264" r:id="rId9"/>
   </p:sldIdLst>
   <p:sldSz cx="12192000" cy="6858000"/>
   <p:notesSz cx="6858000" cy="9144000"/>
@@ -111,6 +110,11 @@
       </a:defRPr>
     </a:lvl9pPr>
   </p:defaultTextStyle>
+  <p:extLst>
+    <p:ext uri="{EFAFB233-063F-42B5-8137-9DF3F51BA10A}">
+      <p15:sldGuideLst xmlns:p15="http://schemas.microsoft.com/office/powerpoint/2012/main"/>
+    </p:ext>
+  </p:extLst>
 </p:presentation>
 </file>
 
@@ -245,7 +249,7 @@
           <a:p>
             <a:fld id="{23B29933-AB02-4E8C-899E-7808C2D362DB}" type="datetimeFigureOut">
               <a:rPr lang="en-US" smtClean="0"/>
-              <a:t>14/04/2025</a:t>
+              <a:t>15/04/2025</a:t>
             </a:fld>
             <a:endParaRPr lang="en-US"/>
           </a:p>
@@ -415,7 +419,7 @@
           <a:p>
             <a:fld id="{23B29933-AB02-4E8C-899E-7808C2D362DB}" type="datetimeFigureOut">
               <a:rPr lang="en-US" smtClean="0"/>
-              <a:t>14/04/2025</a:t>
+              <a:t>15/04/2025</a:t>
             </a:fld>
             <a:endParaRPr lang="en-US"/>
           </a:p>
@@ -595,7 +599,7 @@
           <a:p>
             <a:fld id="{23B29933-AB02-4E8C-899E-7808C2D362DB}" type="datetimeFigureOut">
               <a:rPr lang="en-US" smtClean="0"/>
-              <a:t>14/04/2025</a:t>
+              <a:t>15/04/2025</a:t>
             </a:fld>
             <a:endParaRPr lang="en-US"/>
           </a:p>
@@ -765,7 +769,7 @@
           <a:p>
             <a:fld id="{23B29933-AB02-4E8C-899E-7808C2D362DB}" type="datetimeFigureOut">
               <a:rPr lang="en-US" smtClean="0"/>
-              <a:t>14/04/2025</a:t>
+              <a:t>15/04/2025</a:t>
             </a:fld>
             <a:endParaRPr lang="en-US"/>
           </a:p>
@@ -1011,7 +1015,7 @@
           <a:p>
             <a:fld id="{23B29933-AB02-4E8C-899E-7808C2D362DB}" type="datetimeFigureOut">
               <a:rPr lang="en-US" smtClean="0"/>
-              <a:t>14/04/2025</a:t>
+              <a:t>15/04/2025</a:t>
             </a:fld>
             <a:endParaRPr lang="en-US"/>
           </a:p>
@@ -1243,7 +1247,7 @@
           <a:p>
             <a:fld id="{23B29933-AB02-4E8C-899E-7808C2D362DB}" type="datetimeFigureOut">
               <a:rPr lang="en-US" smtClean="0"/>
-              <a:t>14/04/2025</a:t>
+              <a:t>15/04/2025</a:t>
             </a:fld>
             <a:endParaRPr lang="en-US"/>
           </a:p>
@@ -1610,7 +1614,7 @@
           <a:p>
             <a:fld id="{23B29933-AB02-4E8C-899E-7808C2D362DB}" type="datetimeFigureOut">
               <a:rPr lang="en-US" smtClean="0"/>
-              <a:t>14/04/2025</a:t>
+              <a:t>15/04/2025</a:t>
             </a:fld>
             <a:endParaRPr lang="en-US"/>
           </a:p>
@@ -1728,7 +1732,7 @@
           <a:p>
             <a:fld id="{23B29933-AB02-4E8C-899E-7808C2D362DB}" type="datetimeFigureOut">
               <a:rPr lang="en-US" smtClean="0"/>
-              <a:t>14/04/2025</a:t>
+              <a:t>15/04/2025</a:t>
             </a:fld>
             <a:endParaRPr lang="en-US"/>
           </a:p>
@@ -1823,7 +1827,7 @@
           <a:p>
             <a:fld id="{23B29933-AB02-4E8C-899E-7808C2D362DB}" type="datetimeFigureOut">
               <a:rPr lang="en-US" smtClean="0"/>
-              <a:t>14/04/2025</a:t>
+              <a:t>15/04/2025</a:t>
             </a:fld>
             <a:endParaRPr lang="en-US"/>
           </a:p>
@@ -2100,7 +2104,7 @@
           <a:p>
             <a:fld id="{23B29933-AB02-4E8C-899E-7808C2D362DB}" type="datetimeFigureOut">
               <a:rPr lang="en-US" smtClean="0"/>
-              <a:t>14/04/2025</a:t>
+              <a:t>15/04/2025</a:t>
             </a:fld>
             <a:endParaRPr lang="en-US"/>
           </a:p>
@@ -2353,7 +2357,7 @@
           <a:p>
             <a:fld id="{23B29933-AB02-4E8C-899E-7808C2D362DB}" type="datetimeFigureOut">
               <a:rPr lang="en-US" smtClean="0"/>
-              <a:t>14/04/2025</a:t>
+              <a:t>15/04/2025</a:t>
             </a:fld>
             <a:endParaRPr lang="en-US"/>
           </a:p>
@@ -2566,7 +2570,7 @@
           <a:p>
             <a:fld id="{23B29933-AB02-4E8C-899E-7808C2D362DB}" type="datetimeFigureOut">
               <a:rPr lang="en-US" smtClean="0"/>
-              <a:t>14/04/2025</a:t>
+              <a:t>15/04/2025</a:t>
             </a:fld>
             <a:endParaRPr lang="en-US"/>
           </a:p>
@@ -2988,27 +2992,8 @@
           <a:p>
             <a:r>
               <a:rPr lang="en-US" dirty="0" smtClean="0"/>
-              <a:t>WISDOM Client</a:t>
-            </a:r>
-            <a:endParaRPr lang="en-US" dirty="0"/>
-          </a:p>
-        </p:txBody>
-      </p:sp>
-      <p:sp>
-        <p:nvSpPr>
-          <p:cNvPr id="3" name="Subtitle 2"/>
-          <p:cNvSpPr>
-            <a:spLocks noGrp="1"/>
-          </p:cNvSpPr>
-          <p:nvPr>
-            <p:ph type="subTitle" idx="1"/>
-          </p:nvPr>
-        </p:nvSpPr>
-        <p:spPr/>
-        <p:txBody>
-          <a:bodyPr/>
-          <a:lstStyle/>
-          <a:p>
+              <a:t>MK WISDOM</a:t>
+            </a:r>
             <a:endParaRPr lang="en-US" dirty="0"/>
           </a:p>
         </p:txBody>
@@ -3045,7 +3030,7 @@
       </p:grpSpPr>
       <p:sp>
         <p:nvSpPr>
-          <p:cNvPr id="2" name="Title 1"/>
+          <p:cNvPr id="56" name="Title 55"/>
           <p:cNvSpPr>
             <a:spLocks noGrp="1"/>
           </p:cNvSpPr>
@@ -3053,83 +3038,86 @@
             <p:ph type="ctrTitle"/>
           </p:nvPr>
         </p:nvSpPr>
+        <p:spPr>
+          <a:xfrm>
+            <a:off x="1524000" y="1122363"/>
+            <a:ext cx="8226829" cy="789564"/>
+          </a:xfrm>
+        </p:spPr>
+        <p:txBody>
+          <a:bodyPr>
+            <a:normAutofit fontScale="90000"/>
+          </a:bodyPr>
+          <a:lstStyle/>
+          <a:p>
+            <a:r>
+              <a:rPr lang="en-US" dirty="0" smtClean="0"/>
+              <a:t>Quy trình nghiệp vụ</a:t>
+            </a:r>
+            <a:endParaRPr lang="en-US" dirty="0"/>
+          </a:p>
+        </p:txBody>
+      </p:sp>
+      <p:sp>
+        <p:nvSpPr>
+          <p:cNvPr id="57" name="Subtitle 56"/>
+          <p:cNvSpPr>
+            <a:spLocks noGrp="1"/>
+          </p:cNvSpPr>
+          <p:nvPr>
+            <p:ph type="subTitle" idx="1"/>
+          </p:nvPr>
+        </p:nvSpPr>
         <p:spPr/>
         <p:txBody>
           <a:bodyPr/>
           <a:lstStyle/>
           <a:p>
-            <a:r>
-              <a:rPr lang="en-US" dirty="0" smtClean="0"/>
-              <a:t>Tổng quan quy trình Nghiệp vụ</a:t>
-            </a:r>
             <a:endParaRPr lang="en-US" dirty="0"/>
           </a:p>
         </p:txBody>
       </p:sp>
-      <p:sp>
-        <p:nvSpPr>
-          <p:cNvPr id="3" name="Subtitle 2"/>
-          <p:cNvSpPr>
-            <a:spLocks noGrp="1"/>
-          </p:cNvSpPr>
-          <p:nvPr>
-            <p:ph type="subTitle" idx="1"/>
-          </p:nvPr>
-        </p:nvSpPr>
-        <p:spPr/>
-        <p:txBody>
-          <a:bodyPr>
-            <a:normAutofit fontScale="55000" lnSpcReduction="20000"/>
-          </a:bodyPr>
-          <a:lstStyle/>
-          <a:p>
-            <a:pPr algn="l"/>
-            <a:r>
-              <a:rPr lang="vi-VN" dirty="0" smtClean="0"/>
-              <a:t>Nhân viên → Quét mã vạch sản phẩm → Hệ thống kiểm tra tồn kho</a:t>
-            </a:r>
-          </a:p>
-          <a:p>
-            <a:pPr algn="l"/>
-            <a:r>
-              <a:rPr lang="vi-VN" dirty="0" smtClean="0"/>
-              <a:t>         → Hiển thị thông tin SP + Tồn kho lý thuyết</a:t>
-            </a:r>
-          </a:p>
-          <a:p>
-            <a:pPr algn="l"/>
-            <a:r>
-              <a:rPr lang="vi-VN" dirty="0" smtClean="0"/>
-              <a:t>         → Nhân viên đối chiếu thực tế</a:t>
-            </a:r>
-          </a:p>
-          <a:p>
-            <a:pPr algn="l"/>
-            <a:r>
-              <a:rPr lang="vi-VN" dirty="0" smtClean="0"/>
-              <a:t>         → Nhập số lượng thực tế (nếu sai lệch)</a:t>
-            </a:r>
-          </a:p>
-          <a:p>
-            <a:pPr algn="l"/>
-            <a:r>
-              <a:rPr lang="vi-VN" dirty="0" smtClean="0"/>
-              <a:t>         → Gửi dữ liệu kiểm kê về server</a:t>
-            </a:r>
-          </a:p>
-          <a:p>
-            <a:pPr algn="l"/>
-            <a:r>
-              <a:rPr lang="vi-VN" dirty="0" smtClean="0"/>
-              <a:t>         → Lưu log + tạo báo cáo</a:t>
-            </a:r>
-          </a:p>
-          <a:p>
-            <a:pPr algn="l"/>
-            <a:endParaRPr lang="en-US" dirty="0"/>
-          </a:p>
-        </p:txBody>
-      </p:sp>
+      <p:pic>
+        <p:nvPicPr>
+          <p:cNvPr id="1028" name="Picture 4" descr="https://documents.lucid.app/documents/8eb321ad-fb69-4347-8bca-ab3993c00b80/pages/zok3yUf69dyn?a=907&amp;x=63&amp;y=-385&amp;w=1234&amp;h=970&amp;store=1&amp;accept=image%2F*&amp;auth=LCA%20e37a5bde4fb6ce6f9b231ab52fefcd06e5fcaa3f60e4dc97aa7e2bd9daea8672-ts%3D1744737015"/>
+          <p:cNvPicPr>
+            <a:picLocks noChangeAspect="1" noChangeArrowheads="1"/>
+          </p:cNvPicPr>
+          <p:nvPr/>
+        </p:nvPicPr>
+        <p:blipFill>
+          <a:blip r:embed="rId2">
+            <a:extLst>
+              <a:ext uri="{28A0092B-C50C-407E-A947-70E740481C1C}">
+                <a14:useLocalDpi xmlns:a14="http://schemas.microsoft.com/office/drawing/2010/main" val="0"/>
+              </a:ext>
+            </a:extLst>
+          </a:blip>
+          <a:srcRect/>
+          <a:stretch>
+            <a:fillRect/>
+          </a:stretch>
+        </p:blipFill>
+        <p:spPr bwMode="auto">
+          <a:xfrm>
+            <a:off x="1327468" y="1837112"/>
+            <a:ext cx="9537064" cy="4473709"/>
+          </a:xfrm>
+          <a:prstGeom prst="rect">
+            <a:avLst/>
+          </a:prstGeom>
+          <a:noFill/>
+          <a:extLst>
+            <a:ext uri="{909E8E84-426E-40DD-AFC4-6F175D3DCCD1}">
+              <a14:hiddenFill xmlns:a14="http://schemas.microsoft.com/office/drawing/2010/main">
+                <a:solidFill>
+                  <a:srgbClr val="FFFFFF"/>
+                </a:solidFill>
+              </a14:hiddenFill>
+            </a:ext>
+          </a:extLst>
+        </p:spPr>
+      </p:pic>
     </p:spTree>
     <p:extLst>
       <p:ext uri="{BB962C8B-B14F-4D97-AF65-F5344CB8AC3E}">
@@ -3172,8 +3160,8 @@
         </p:nvSpPr>
         <p:spPr>
           <a:xfrm>
-            <a:off x="1524000" y="1214438"/>
-            <a:ext cx="9144000" cy="2387600"/>
+            <a:off x="1249680" y="657485"/>
+            <a:ext cx="9144000" cy="988435"/>
           </a:xfrm>
         </p:spPr>
         <p:txBody>
@@ -3182,144 +3170,57 @@
           <a:p>
             <a:r>
               <a:rPr lang="en-US" dirty="0" smtClean="0"/>
-              <a:t>Sơ đồ hoạt động (Flow tổng thể)</a:t>
+              <a:t>Sơ đồ kiến trúc hệ thống</a:t>
             </a:r>
             <a:endParaRPr lang="en-US" dirty="0"/>
           </a:p>
         </p:txBody>
       </p:sp>
-      <p:sp>
-        <p:nvSpPr>
-          <p:cNvPr id="3" name="Subtitle 2"/>
-          <p:cNvSpPr>
-            <a:spLocks noGrp="1"/>
-          </p:cNvSpPr>
-          <p:nvPr>
-            <p:ph type="subTitle" idx="1"/>
-          </p:nvPr>
-        </p:nvSpPr>
-        <p:spPr>
+      <p:pic>
+        <p:nvPicPr>
+          <p:cNvPr id="2054" name="Picture 6" descr="https://documents.lucid.app/documents/8eb321ad-fb69-4347-8bca-ab3993c00b80/pages/zok3yUf69dyn?a=1239&amp;x=154&amp;y=-405&amp;w=992&amp;h=970&amp;store=1&amp;accept=image%2F*&amp;auth=LCA%20603f87111292b3c30e7c605015916717473f58c10c77e59475b5cc5bcb689920-ts%3D1744737015"/>
+          <p:cNvPicPr>
+            <a:picLocks noChangeAspect="1" noChangeArrowheads="1"/>
+          </p:cNvPicPr>
+          <p:nvPr/>
+        </p:nvPicPr>
+        <p:blipFill>
+          <a:blip r:embed="rId2">
+            <a:extLst>
+              <a:ext uri="{28A0092B-C50C-407E-A947-70E740481C1C}">
+                <a14:useLocalDpi xmlns:a14="http://schemas.microsoft.com/office/drawing/2010/main" val="0"/>
+              </a:ext>
+            </a:extLst>
+          </a:blip>
+          <a:srcRect/>
+          <a:stretch>
+            <a:fillRect/>
+          </a:stretch>
+        </p:blipFill>
+        <p:spPr bwMode="auto">
           <a:xfrm>
-            <a:off x="1524000" y="3602038"/>
-            <a:ext cx="9144000" cy="3114646"/>
+            <a:off x="2009313" y="1571105"/>
+            <a:ext cx="8107276" cy="4989945"/>
           </a:xfrm>
+          <a:prstGeom prst="rect">
+            <a:avLst/>
+          </a:prstGeom>
+          <a:noFill/>
+          <a:extLst>
+            <a:ext uri="{909E8E84-426E-40DD-AFC4-6F175D3DCCD1}">
+              <a14:hiddenFill xmlns:a14="http://schemas.microsoft.com/office/drawing/2010/main">
+                <a:solidFill>
+                  <a:srgbClr val="FFFFFF"/>
+                </a:solidFill>
+              </a14:hiddenFill>
+            </a:ext>
+          </a:extLst>
         </p:spPr>
-        <p:txBody>
-          <a:bodyPr>
-            <a:noAutofit/>
-          </a:bodyPr>
-          <a:lstStyle/>
-          <a:p>
-            <a:pPr algn="l"/>
-            <a:r>
-              <a:rPr lang="vi-VN" sz="600" dirty="0" smtClean="0"/>
-              <a:t>[Nhân viên mở app]</a:t>
-            </a:r>
-          </a:p>
-          <a:p>
-            <a:pPr algn="l"/>
-            <a:r>
-              <a:rPr lang="vi-VN" sz="600" dirty="0" smtClean="0"/>
-              <a:t>        ↓</a:t>
-            </a:r>
-          </a:p>
-          <a:p>
-            <a:pPr algn="l"/>
-            <a:r>
-              <a:rPr lang="vi-VN" sz="600" dirty="0" smtClean="0"/>
-              <a:t>[Scan barcode sản phẩm]</a:t>
-            </a:r>
-          </a:p>
-          <a:p>
-            <a:pPr algn="l"/>
-            <a:r>
-              <a:rPr lang="vi-VN" sz="600" dirty="0" smtClean="0"/>
-              <a:t>        ↓</a:t>
-            </a:r>
-          </a:p>
-          <a:p>
-            <a:pPr algn="l"/>
-            <a:r>
-              <a:rPr lang="vi-VN" sz="600" dirty="0" smtClean="0"/>
-              <a:t>[Gửi mã barcode → API check stock]</a:t>
-            </a:r>
-          </a:p>
-          <a:p>
-            <a:pPr algn="l"/>
-            <a:r>
-              <a:rPr lang="vi-VN" sz="600" dirty="0" smtClean="0"/>
-              <a:t>        ↓</a:t>
-            </a:r>
-          </a:p>
-          <a:p>
-            <a:pPr algn="l"/>
-            <a:r>
-              <a:rPr lang="vi-VN" sz="600" dirty="0" smtClean="0"/>
-              <a:t>[Trả về thông tin sản phẩm + tồn kho hệ thống]</a:t>
-            </a:r>
-          </a:p>
-          <a:p>
-            <a:pPr algn="l"/>
-            <a:r>
-              <a:rPr lang="vi-VN" sz="600" dirty="0" smtClean="0"/>
-              <a:t>        ↓</a:t>
-            </a:r>
-          </a:p>
-          <a:p>
-            <a:pPr algn="l"/>
-            <a:r>
-              <a:rPr lang="vi-VN" sz="600" dirty="0" smtClean="0"/>
-              <a:t>[Hiển thị để nhân viên kiểm tra]</a:t>
-            </a:r>
-          </a:p>
-          <a:p>
-            <a:pPr algn="l"/>
-            <a:r>
-              <a:rPr lang="vi-VN" sz="600" dirty="0" smtClean="0"/>
-              <a:t>        ↓</a:t>
-            </a:r>
-          </a:p>
-          <a:p>
-            <a:pPr algn="l"/>
-            <a:r>
-              <a:rPr lang="vi-VN" sz="600" dirty="0" smtClean="0"/>
-              <a:t>[Nhập số lượng thực tế (nếu cần)]</a:t>
-            </a:r>
-          </a:p>
-          <a:p>
-            <a:pPr algn="l"/>
-            <a:r>
-              <a:rPr lang="vi-VN" sz="600" dirty="0" smtClean="0"/>
-              <a:t>        ↓</a:t>
-            </a:r>
-          </a:p>
-          <a:p>
-            <a:pPr algn="l"/>
-            <a:r>
-              <a:rPr lang="vi-VN" sz="600" dirty="0" smtClean="0"/>
-              <a:t>[Gửi kết quả kiểm kê về server]</a:t>
-            </a:r>
-          </a:p>
-          <a:p>
-            <a:pPr algn="l"/>
-            <a:r>
-              <a:rPr lang="vi-VN" sz="600" dirty="0" smtClean="0"/>
-              <a:t>        ↓</a:t>
-            </a:r>
-          </a:p>
-          <a:p>
-            <a:pPr algn="l"/>
-            <a:r>
-              <a:rPr lang="vi-VN" sz="600" dirty="0" smtClean="0"/>
-              <a:t>[Lưu log kiểm kê + tạo báo cáo chênh lệch]</a:t>
-            </a:r>
-          </a:p>
-        </p:txBody>
-      </p:sp>
+      </p:pic>
     </p:spTree>
     <p:extLst>
       <p:ext uri="{BB962C8B-B14F-4D97-AF65-F5344CB8AC3E}">
-        <p14:creationId xmlns:p14="http://schemas.microsoft.com/office/powerpoint/2010/main" val="2174140258"/>
+        <p14:creationId xmlns:p14="http://schemas.microsoft.com/office/powerpoint/2010/main" val="315638150"/>
       </p:ext>
     </p:extLst>
   </p:cSld>
@@ -3358,8 +3259,8 @@
         </p:nvSpPr>
         <p:spPr>
           <a:xfrm>
-            <a:off x="1524000" y="1214438"/>
-            <a:ext cx="9144000" cy="2387600"/>
+            <a:off x="1524000" y="523702"/>
+            <a:ext cx="9144000" cy="1030778"/>
           </a:xfrm>
         </p:spPr>
         <p:txBody>
@@ -3368,95 +3269,365 @@
           <a:p>
             <a:r>
               <a:rPr lang="en-US" dirty="0" smtClean="0"/>
-              <a:t>Sơ đồ kiến trúc hệ thống</a:t>
+              <a:t>Tổng quan dữ liệu cần có</a:t>
             </a:r>
             <a:endParaRPr lang="en-US" dirty="0"/>
           </a:p>
         </p:txBody>
       </p:sp>
-      <p:sp>
-        <p:nvSpPr>
-          <p:cNvPr id="3" name="Subtitle 2"/>
-          <p:cNvSpPr>
-            <a:spLocks noGrp="1"/>
-          </p:cNvSpPr>
-          <p:nvPr>
-            <p:ph type="subTitle" idx="1"/>
-          </p:nvPr>
-        </p:nvSpPr>
-        <p:spPr>
-          <a:xfrm>
-            <a:off x="1524000" y="3602038"/>
-            <a:ext cx="9144000" cy="3114646"/>
-          </a:xfrm>
-        </p:spPr>
-        <p:txBody>
-          <a:bodyPr>
-            <a:noAutofit/>
-          </a:bodyPr>
-          <a:lstStyle/>
-          <a:p>
-            <a:pPr algn="l"/>
-            <a:r>
-              <a:rPr lang="vi-VN" sz="600" dirty="0" smtClean="0"/>
-              <a:t>+----------------+         +---------------------+        +--------------------+</a:t>
-            </a:r>
-          </a:p>
-          <a:p>
-            <a:pPr algn="l"/>
-            <a:r>
-              <a:rPr lang="vi-VN" sz="600" dirty="0" smtClean="0"/>
-              <a:t>|  Mobile/Web App|  &lt;---&gt;  | Laravel API Backend |  &lt;---&gt; | MySQL/DB (hàng hóa)|</a:t>
-            </a:r>
-          </a:p>
-          <a:p>
-            <a:pPr algn="l"/>
-            <a:r>
-              <a:rPr lang="vi-VN" sz="600" dirty="0" smtClean="0"/>
-              <a:t>+----------------+         +---------------------+        +--------------------+</a:t>
-            </a:r>
-          </a:p>
-          <a:p>
-            <a:pPr algn="l"/>
-            <a:r>
-              <a:rPr lang="vi-VN" sz="600" dirty="0" smtClean="0"/>
-              <a:t>         ↑                          ↑</a:t>
-            </a:r>
-          </a:p>
-          <a:p>
-            <a:pPr algn="l"/>
-            <a:r>
-              <a:rPr lang="vi-VN" sz="600" dirty="0" smtClean="0"/>
-              <a:t>         |                          |</a:t>
-            </a:r>
-          </a:p>
-          <a:p>
-            <a:pPr algn="l"/>
-            <a:r>
-              <a:rPr lang="vi-VN" sz="600" dirty="0" smtClean="0"/>
-              <a:t>         |             +---------------------------+</a:t>
-            </a:r>
-          </a:p>
-          <a:p>
-            <a:pPr algn="l"/>
-            <a:r>
-              <a:rPr lang="vi-VN" sz="600" dirty="0" smtClean="0"/>
-              <a:t>         |             | File Import (Excel sản phẩm) |</a:t>
-            </a:r>
-          </a:p>
-          <a:p>
-            <a:pPr algn="l"/>
-            <a:r>
-              <a:rPr lang="vi-VN" sz="600" dirty="0" smtClean="0"/>
-              <a:t>         |             +---------------------------+</a:t>
-            </a:r>
-          </a:p>
-        </p:txBody>
-      </p:sp>
+      <p:graphicFrame>
+        <p:nvGraphicFramePr>
+          <p:cNvPr id="4" name="Table 3"/>
+          <p:cNvGraphicFramePr>
+            <a:graphicFrameLocks noGrp="1"/>
+          </p:cNvGraphicFramePr>
+          <p:nvPr>
+            <p:extLst>
+              <p:ext uri="{D42A27DB-BD31-4B8C-83A1-F6EECF244321}">
+                <p14:modId xmlns:p14="http://schemas.microsoft.com/office/powerpoint/2010/main" val="2491927626"/>
+              </p:ext>
+            </p:extLst>
+          </p:nvPr>
+        </p:nvGraphicFramePr>
+        <p:xfrm>
+          <a:off x="2140066" y="1866824"/>
+          <a:ext cx="8417098" cy="2494872"/>
+        </p:xfrm>
+        <a:graphic>
+          <a:graphicData uri="http://schemas.openxmlformats.org/drawingml/2006/table">
+            <a:tbl>
+              <a:tblPr firstRow="1" bandRow="1">
+                <a:tableStyleId>{5C22544A-7EE6-4342-B048-85BDC9FD1C3A}</a:tableStyleId>
+              </a:tblPr>
+              <a:tblGrid>
+                <a:gridCol w="4208549">
+                  <a:extLst>
+                    <a:ext uri="{9D8B030D-6E8A-4147-A177-3AD203B41FA5}">
+                      <a16:colId xmlns:a16="http://schemas.microsoft.com/office/drawing/2014/main" val="2931952942"/>
+                    </a:ext>
+                  </a:extLst>
+                </a:gridCol>
+                <a:gridCol w="4208549">
+                  <a:extLst>
+                    <a:ext uri="{9D8B030D-6E8A-4147-A177-3AD203B41FA5}">
+                      <a16:colId xmlns:a16="http://schemas.microsoft.com/office/drawing/2014/main" val="2523755038"/>
+                    </a:ext>
+                  </a:extLst>
+                </a:gridCol>
+              </a:tblGrid>
+              <a:tr h="329452">
+                <a:tc>
+                  <a:txBody>
+                    <a:bodyPr/>
+                    <a:lstStyle/>
+                    <a:p>
+                      <a:r>
+                        <a:rPr lang="en-US" sz="1300" dirty="0" smtClean="0"/>
+                        <a:t>Table</a:t>
+                      </a:r>
+                      <a:endParaRPr lang="en-US" sz="1300" dirty="0"/>
+                    </a:p>
+                  </a:txBody>
+                  <a:tcPr anchor="ctr"/>
+                </a:tc>
+                <a:tc>
+                  <a:txBody>
+                    <a:bodyPr/>
+                    <a:lstStyle/>
+                    <a:p>
+                      <a:r>
+                        <a:rPr lang="en-US" sz="1300" dirty="0" smtClean="0"/>
+                        <a:t>Thuộc</a:t>
+                      </a:r>
+                      <a:r>
+                        <a:rPr lang="en-US" sz="1300" baseline="0" dirty="0" smtClean="0"/>
+                        <a:t> tính</a:t>
+                      </a:r>
+                      <a:endParaRPr lang="en-US" sz="1300" dirty="0"/>
+                    </a:p>
+                  </a:txBody>
+                  <a:tcPr anchor="ctr"/>
+                </a:tc>
+                <a:extLst>
+                  <a:ext uri="{0D108BD9-81ED-4DB2-BD59-A6C34878D82A}">
+                    <a16:rowId xmlns:a16="http://schemas.microsoft.com/office/drawing/2014/main" val="2622817944"/>
+                  </a:ext>
+                </a:extLst>
+              </a:tr>
+              <a:tr h="329452">
+                <a:tc>
+                  <a:txBody>
+                    <a:bodyPr/>
+                    <a:lstStyle/>
+                    <a:p>
+                      <a:pPr marL="0" marR="0" indent="0" algn="l" defTabSz="914400" rtl="0" eaLnBrk="1" fontAlgn="auto" latinLnBrk="0" hangingPunct="1">
+                        <a:lnSpc>
+                          <a:spcPct val="100000"/>
+                        </a:lnSpc>
+                        <a:spcBef>
+                          <a:spcPts val="0"/>
+                        </a:spcBef>
+                        <a:spcAft>
+                          <a:spcPts val="0"/>
+                        </a:spcAft>
+                        <a:buClrTx/>
+                        <a:buSzTx/>
+                        <a:buFontTx/>
+                        <a:buNone/>
+                        <a:tabLst/>
+                        <a:defRPr/>
+                      </a:pPr>
+                      <a:r>
+                        <a:rPr lang="vi-VN" sz="1300" b="0" kern="1200" dirty="0" smtClean="0">
+                          <a:solidFill>
+                            <a:schemeClr val="dk1"/>
+                          </a:solidFill>
+                          <a:latin typeface="+mn-lt"/>
+                          <a:ea typeface="+mn-ea"/>
+                          <a:cs typeface="+mn-cs"/>
+                        </a:rPr>
+                        <a:t>Dữ liệu người dùng (User / Field Rep)</a:t>
+                      </a:r>
+                    </a:p>
+                  </a:txBody>
+                  <a:tcPr anchor="ctr"/>
+                </a:tc>
+                <a:tc>
+                  <a:txBody>
+                    <a:bodyPr/>
+                    <a:lstStyle/>
+                    <a:p>
+                      <a:r>
+                        <a:rPr lang="en-US" sz="1400" dirty="0" smtClean="0"/>
+                        <a:t>user_id, name, email / username, assigned_stores, role</a:t>
+                      </a:r>
+                      <a:endParaRPr lang="vi-VN" sz="1300" dirty="0"/>
+                    </a:p>
+                  </a:txBody>
+                  <a:tcPr anchor="ctr"/>
+                </a:tc>
+                <a:extLst>
+                  <a:ext uri="{0D108BD9-81ED-4DB2-BD59-A6C34878D82A}">
+                    <a16:rowId xmlns:a16="http://schemas.microsoft.com/office/drawing/2014/main" val="3778926496"/>
+                  </a:ext>
+                </a:extLst>
+              </a:tr>
+              <a:tr h="329452">
+                <a:tc>
+                  <a:txBody>
+                    <a:bodyPr/>
+                    <a:lstStyle/>
+                    <a:p>
+                      <a:r>
+                        <a:rPr lang="en-US" sz="1300" b="0" dirty="0" smtClean="0"/>
+                        <a:t>Dữ liệu cửa hàng (Store)</a:t>
+                      </a:r>
+                      <a:endParaRPr lang="en-US" sz="1300" b="0" dirty="0"/>
+                    </a:p>
+                  </a:txBody>
+                  <a:tcPr anchor="ctr"/>
+                </a:tc>
+                <a:tc>
+                  <a:txBody>
+                    <a:bodyPr/>
+                    <a:lstStyle/>
+                    <a:p>
+                      <a:r>
+                        <a:rPr lang="en-US" sz="1400" dirty="0" smtClean="0"/>
+                        <a:t>store_id, store_name, location, region, store_type</a:t>
+                      </a:r>
+                      <a:endParaRPr lang="en-US" sz="1300" dirty="0"/>
+                    </a:p>
+                  </a:txBody>
+                  <a:tcPr anchor="ctr"/>
+                </a:tc>
+                <a:extLst>
+                  <a:ext uri="{0D108BD9-81ED-4DB2-BD59-A6C34878D82A}">
+                    <a16:rowId xmlns:a16="http://schemas.microsoft.com/office/drawing/2014/main" val="66366203"/>
+                  </a:ext>
+                </a:extLst>
+              </a:tr>
+              <a:tr h="329452">
+                <a:tc>
+                  <a:txBody>
+                    <a:bodyPr/>
+                    <a:lstStyle/>
+                    <a:p>
+                      <a:r>
+                        <a:rPr lang="en-US" sz="1300" dirty="0" smtClean="0"/>
+                        <a:t>Dữ liệu sản phẩm / SKU</a:t>
+                      </a:r>
+                      <a:endParaRPr lang="en-US" sz="1300" dirty="0"/>
+                    </a:p>
+                  </a:txBody>
+                  <a:tcPr anchor="ctr"/>
+                </a:tc>
+                <a:tc>
+                  <a:txBody>
+                    <a:bodyPr/>
+                    <a:lstStyle/>
+                    <a:p>
+                      <a:r>
+                        <a:rPr lang="en-US" sz="1400" dirty="0" smtClean="0"/>
+                        <a:t>sku_id, sku_name, category, brand, packaging, barcode</a:t>
+                      </a:r>
+                      <a:endParaRPr lang="en-US" sz="1300" dirty="0"/>
+                    </a:p>
+                  </a:txBody>
+                  <a:tcPr anchor="ctr"/>
+                </a:tc>
+                <a:extLst>
+                  <a:ext uri="{0D108BD9-81ED-4DB2-BD59-A6C34878D82A}">
+                    <a16:rowId xmlns:a16="http://schemas.microsoft.com/office/drawing/2014/main" val="632129642"/>
+                  </a:ext>
+                </a:extLst>
+              </a:tr>
+              <a:tr h="329452">
+                <a:tc>
+                  <a:txBody>
+                    <a:bodyPr/>
+                    <a:lstStyle/>
+                    <a:p>
+                      <a:r>
+                        <a:rPr lang="en-US" sz="1300" dirty="0" smtClean="0"/>
+                        <a:t>Dữ liệu tồn kho hệ thống (System Stock)</a:t>
+                      </a:r>
+                      <a:endParaRPr lang="en-US" sz="1300" dirty="0"/>
+                    </a:p>
+                  </a:txBody>
+                  <a:tcPr anchor="ctr"/>
+                </a:tc>
+                <a:tc>
+                  <a:txBody>
+                    <a:bodyPr/>
+                    <a:lstStyle/>
+                    <a:p>
+                      <a:r>
+                        <a:rPr lang="en-US" sz="1400" dirty="0" smtClean="0"/>
+                        <a:t>sku_id, store_id, stock_qty, last_updated</a:t>
+                      </a:r>
+                      <a:endParaRPr lang="vi-VN" sz="1300" dirty="0"/>
+                    </a:p>
+                  </a:txBody>
+                  <a:tcPr anchor="ctr"/>
+                </a:tc>
+                <a:extLst>
+                  <a:ext uri="{0D108BD9-81ED-4DB2-BD59-A6C34878D82A}">
+                    <a16:rowId xmlns:a16="http://schemas.microsoft.com/office/drawing/2014/main" val="4006764043"/>
+                  </a:ext>
+                </a:extLst>
+              </a:tr>
+              <a:tr h="329452">
+                <a:tc>
+                  <a:txBody>
+                    <a:bodyPr/>
+                    <a:lstStyle/>
+                    <a:p>
+                      <a:pPr marL="0" marR="0" indent="0" algn="l" defTabSz="914400" rtl="0" eaLnBrk="1" fontAlgn="auto" latinLnBrk="0" hangingPunct="1">
+                        <a:lnSpc>
+                          <a:spcPct val="100000"/>
+                        </a:lnSpc>
+                        <a:spcBef>
+                          <a:spcPts val="0"/>
+                        </a:spcBef>
+                        <a:spcAft>
+                          <a:spcPts val="0"/>
+                        </a:spcAft>
+                        <a:buClrTx/>
+                        <a:buSzTx/>
+                        <a:buFontTx/>
+                        <a:buNone/>
+                        <a:tabLst/>
+                        <a:defRPr/>
+                      </a:pPr>
+                      <a:r>
+                        <a:rPr lang="en-US" sz="1300" b="0" dirty="0" smtClean="0"/>
+                        <a:t>Dữ liệu kiểm kê thực tế (Audit / Stock Count)</a:t>
+                      </a:r>
+                    </a:p>
+                  </a:txBody>
+                  <a:tcPr anchor="ctr"/>
+                </a:tc>
+                <a:tc>
+                  <a:txBody>
+                    <a:bodyPr/>
+                    <a:lstStyle/>
+                    <a:p>
+                      <a:r>
+                        <a:rPr lang="en-US" sz="1400" dirty="0" smtClean="0"/>
+                        <a:t>audit_id, user_id, store_id, sku_id, actual_qty, system_qty, discrepancy, note, checked_at</a:t>
+                      </a:r>
+                      <a:endParaRPr lang="en-US" sz="1300" dirty="0"/>
+                    </a:p>
+                  </a:txBody>
+                  <a:tcPr anchor="ctr"/>
+                </a:tc>
+                <a:extLst>
+                  <a:ext uri="{0D108BD9-81ED-4DB2-BD59-A6C34878D82A}">
+                    <a16:rowId xmlns:a16="http://schemas.microsoft.com/office/drawing/2014/main" val="463886649"/>
+                  </a:ext>
+                </a:extLst>
+              </a:tr>
+              <a:tr h="329452">
+                <a:tc>
+                  <a:txBody>
+                    <a:bodyPr/>
+                    <a:lstStyle/>
+                    <a:p>
+                      <a:pPr marL="0" marR="0" indent="0" algn="l" defTabSz="914400" rtl="0" eaLnBrk="1" fontAlgn="auto" latinLnBrk="0" hangingPunct="1">
+                        <a:lnSpc>
+                          <a:spcPct val="100000"/>
+                        </a:lnSpc>
+                        <a:spcBef>
+                          <a:spcPts val="0"/>
+                        </a:spcBef>
+                        <a:spcAft>
+                          <a:spcPts val="0"/>
+                        </a:spcAft>
+                        <a:buClrTx/>
+                        <a:buSzTx/>
+                        <a:buFontTx/>
+                        <a:buNone/>
+                        <a:tabLst/>
+                        <a:defRPr/>
+                      </a:pPr>
+                      <a:r>
+                        <a:rPr lang="en-US" sz="1300" dirty="0" smtClean="0"/>
+                        <a:t>Dữ liệu lịch sử (Log / History)</a:t>
+                      </a:r>
+                      <a:endParaRPr lang="en-US" sz="1300" b="1" dirty="0" smtClean="0"/>
+                    </a:p>
+                  </a:txBody>
+                  <a:tcPr anchor="ctr"/>
+                </a:tc>
+                <a:tc>
+                  <a:txBody>
+                    <a:bodyPr/>
+                    <a:lstStyle/>
+                    <a:p>
+                      <a:r>
+                        <a:rPr lang="en-US" sz="1400" dirty="0" smtClean="0"/>
+                        <a:t>user_id, action, timestamp, details</a:t>
+                      </a:r>
+                      <a:endParaRPr lang="en-US" sz="1300" dirty="0"/>
+                    </a:p>
+                  </a:txBody>
+                  <a:tcPr anchor="ctr"/>
+                </a:tc>
+                <a:extLst>
+                  <a:ext uri="{0D108BD9-81ED-4DB2-BD59-A6C34878D82A}">
+                    <a16:rowId xmlns:a16="http://schemas.microsoft.com/office/drawing/2014/main" val="3363963194"/>
+                  </a:ext>
+                </a:extLst>
+              </a:tr>
+            </a:tbl>
+          </a:graphicData>
+        </a:graphic>
+      </p:graphicFrame>
     </p:spTree>
     <p:extLst>
       <p:ext uri="{BB962C8B-B14F-4D97-AF65-F5344CB8AC3E}">
-        <p14:creationId xmlns:p14="http://schemas.microsoft.com/office/powerpoint/2010/main" val="315638150"/>
+        <p14:creationId xmlns:p14="http://schemas.microsoft.com/office/powerpoint/2010/main" val="393659009"/>
       </p:ext>
     </p:extLst>
   </p:cSld>
@@ -3495,117 +3666,52 @@
         </p:nvSpPr>
         <p:spPr>
           <a:xfrm>
-            <a:off x="1524000" y="1214438"/>
-            <a:ext cx="9144000" cy="2387600"/>
+            <a:off x="1166553" y="216911"/>
+            <a:ext cx="9144000" cy="888682"/>
           </a:xfrm>
         </p:spPr>
         <p:txBody>
-          <a:bodyPr/>
+          <a:bodyPr>
+            <a:normAutofit fontScale="90000"/>
+          </a:bodyPr>
           <a:lstStyle/>
           <a:p>
             <a:r>
               <a:rPr lang="en-US" dirty="0" smtClean="0"/>
-              <a:t>Dữ liệu cần có</a:t>
+              <a:t>Các chức năng chính</a:t>
             </a:r>
             <a:endParaRPr lang="en-US" dirty="0"/>
           </a:p>
         </p:txBody>
       </p:sp>
-      <p:sp>
-        <p:nvSpPr>
-          <p:cNvPr id="3" name="Subtitle 2"/>
-          <p:cNvSpPr>
-            <a:spLocks noGrp="1"/>
-          </p:cNvSpPr>
-          <p:nvPr>
-            <p:ph type="subTitle" idx="1"/>
-          </p:nvPr>
-        </p:nvSpPr>
+      <p:pic>
+        <p:nvPicPr>
+          <p:cNvPr id="6" name="Picture 5"/>
+          <p:cNvPicPr>
+            <a:picLocks noChangeAspect="1"/>
+          </p:cNvPicPr>
+          <p:nvPr/>
+        </p:nvPicPr>
+        <p:blipFill>
+          <a:blip r:embed="rId2"/>
+          <a:stretch>
+            <a:fillRect/>
+          </a:stretch>
+        </p:blipFill>
         <p:spPr>
           <a:xfrm>
-            <a:off x="1524000" y="3602038"/>
-            <a:ext cx="9144000" cy="3114646"/>
+            <a:off x="1909662" y="1105593"/>
+            <a:ext cx="7915981" cy="4798663"/>
           </a:xfrm>
+          <a:prstGeom prst="rect">
+            <a:avLst/>
+          </a:prstGeom>
         </p:spPr>
-        <p:txBody>
-          <a:bodyPr>
-            <a:noAutofit/>
-          </a:bodyPr>
-          <a:lstStyle/>
-          <a:p>
-            <a:pPr algn="l"/>
-            <a:r>
-              <a:rPr lang="vi-VN" sz="800" dirty="0" smtClean="0"/>
-              <a:t>Danh sách sản phẩm gồm:</a:t>
-            </a:r>
-          </a:p>
-          <a:p>
-            <a:pPr marL="228600" indent="-228600" algn="l">
-              <a:buFont typeface="+mj-lt"/>
-              <a:buAutoNum type="arabicPeriod"/>
-            </a:pPr>
-            <a:r>
-              <a:rPr lang="vi-VN" sz="800" dirty="0" smtClean="0"/>
-              <a:t>Mã barcode (bắt buộc)</a:t>
-            </a:r>
-          </a:p>
-          <a:p>
-            <a:pPr marL="228600" indent="-228600" algn="l">
-              <a:buFont typeface="+mj-lt"/>
-              <a:buAutoNum type="arabicPeriod"/>
-            </a:pPr>
-            <a:r>
-              <a:rPr lang="vi-VN" sz="800" dirty="0" smtClean="0"/>
-              <a:t>Tên sản phẩm</a:t>
-            </a:r>
-          </a:p>
-          <a:p>
-            <a:pPr marL="228600" indent="-228600" algn="l">
-              <a:buFont typeface="+mj-lt"/>
-              <a:buAutoNum type="arabicPeriod"/>
-            </a:pPr>
-            <a:r>
-              <a:rPr lang="vi-VN" sz="800" dirty="0" smtClean="0"/>
-              <a:t>SKU</a:t>
-            </a:r>
-          </a:p>
-          <a:p>
-            <a:pPr marL="228600" indent="-228600" algn="l">
-              <a:buFont typeface="+mj-lt"/>
-              <a:buAutoNum type="arabicPeriod"/>
-            </a:pPr>
-            <a:r>
-              <a:rPr lang="vi-VN" sz="800" dirty="0" smtClean="0"/>
-              <a:t>Tồn kho lý thuyết (nếu có)</a:t>
-            </a:r>
-          </a:p>
-          <a:p>
-            <a:pPr marL="228600" indent="-228600" algn="l">
-              <a:buFont typeface="+mj-lt"/>
-              <a:buAutoNum type="arabicPeriod"/>
-            </a:pPr>
-            <a:r>
-              <a:rPr lang="vi-VN" sz="800" dirty="0" smtClean="0"/>
-              <a:t>Vị trí/kho lưu trữ</a:t>
-            </a:r>
-          </a:p>
-          <a:p>
-            <a:pPr marL="228600" indent="-228600" algn="l">
-              <a:buFont typeface="+mj-lt"/>
-              <a:buAutoNum type="arabicPeriod"/>
-            </a:pPr>
-            <a:r>
-              <a:rPr lang="vi-VN" sz="800" dirty="0" smtClean="0"/>
-              <a:t>Đơn vị tính</a:t>
-            </a:r>
-            <a:endParaRPr lang="vi-VN" sz="800" dirty="0"/>
-          </a:p>
-        </p:txBody>
-      </p:sp>
+      </p:pic>
     </p:spTree>
     <p:extLst>
       <p:ext uri="{BB962C8B-B14F-4D97-AF65-F5344CB8AC3E}">
-        <p14:creationId xmlns:p14="http://schemas.microsoft.com/office/powerpoint/2010/main" val="393659009"/>
+        <p14:creationId xmlns:p14="http://schemas.microsoft.com/office/powerpoint/2010/main" val="1619761904"/>
       </p:ext>
     </p:extLst>
   </p:cSld>
@@ -3644,7 +3750,7 @@
         </p:nvSpPr>
         <p:spPr>
           <a:xfrm>
-            <a:off x="1524000" y="1214438"/>
+            <a:off x="1166553" y="216911"/>
             <a:ext cx="9144000" cy="888682"/>
           </a:xfrm>
         </p:spPr>
@@ -3662,322 +3768,34 @@
           </a:p>
         </p:txBody>
       </p:sp>
-      <p:sp>
-        <p:nvSpPr>
-          <p:cNvPr id="3" name="Subtitle 2"/>
-          <p:cNvSpPr>
-            <a:spLocks noGrp="1"/>
-          </p:cNvSpPr>
-          <p:nvPr>
-            <p:ph type="subTitle" idx="1"/>
-          </p:nvPr>
-        </p:nvSpPr>
+      <p:pic>
+        <p:nvPicPr>
+          <p:cNvPr id="3" name="Picture 2"/>
+          <p:cNvPicPr>
+            <a:picLocks noChangeAspect="1"/>
+          </p:cNvPicPr>
+          <p:nvPr/>
+        </p:nvPicPr>
+        <p:blipFill>
+          <a:blip r:embed="rId2"/>
+          <a:stretch>
+            <a:fillRect/>
+          </a:stretch>
+        </p:blipFill>
         <p:spPr>
           <a:xfrm>
-            <a:off x="1524000" y="2219498"/>
-            <a:ext cx="9144000" cy="4497186"/>
+            <a:off x="992314" y="1498193"/>
+            <a:ext cx="10174120" cy="2514951"/>
           </a:xfrm>
+          <a:prstGeom prst="rect">
+            <a:avLst/>
+          </a:prstGeom>
         </p:spPr>
-        <p:txBody>
-          <a:bodyPr>
-            <a:noAutofit/>
-          </a:bodyPr>
-          <a:lstStyle/>
-          <a:p>
-            <a:pPr algn="l"/>
-            <a:endParaRPr lang="vi-VN" sz="800" dirty="0"/>
-          </a:p>
-        </p:txBody>
-      </p:sp>
-      <p:graphicFrame>
-        <p:nvGraphicFramePr>
-          <p:cNvPr id="4" name="Table 3"/>
-          <p:cNvGraphicFramePr>
-            <a:graphicFrameLocks noGrp="1"/>
-          </p:cNvGraphicFramePr>
-          <p:nvPr>
-            <p:extLst>
-              <p:ext uri="{D42A27DB-BD31-4B8C-83A1-F6EECF244321}">
-                <p14:modId xmlns:p14="http://schemas.microsoft.com/office/powerpoint/2010/main" val="3251570900"/>
-              </p:ext>
-            </p:extLst>
-          </p:nvPr>
-        </p:nvGraphicFramePr>
-        <p:xfrm>
-          <a:off x="1591425" y="2282458"/>
-          <a:ext cx="8128000" cy="3403600"/>
-        </p:xfrm>
-        <a:graphic>
-          <a:graphicData uri="http://schemas.openxmlformats.org/drawingml/2006/table">
-            <a:tbl>
-              <a:tblPr firstRow="1" bandRow="1">
-                <a:tableStyleId>{5C22544A-7EE6-4342-B048-85BDC9FD1C3A}</a:tableStyleId>
-              </a:tblPr>
-              <a:tblGrid>
-                <a:gridCol w="4064000">
-                  <a:extLst>
-                    <a:ext uri="{9D8B030D-6E8A-4147-A177-3AD203B41FA5}">
-                      <a16:colId xmlns:a16="http://schemas.microsoft.com/office/drawing/2014/main" val="3268809784"/>
-                    </a:ext>
-                  </a:extLst>
-                </a:gridCol>
-                <a:gridCol w="4064000">
-                  <a:extLst>
-                    <a:ext uri="{9D8B030D-6E8A-4147-A177-3AD203B41FA5}">
-                      <a16:colId xmlns:a16="http://schemas.microsoft.com/office/drawing/2014/main" val="3805068033"/>
-                    </a:ext>
-                  </a:extLst>
-                </a:gridCol>
-              </a:tblGrid>
-              <a:tr h="370840">
-                <a:tc>
-                  <a:txBody>
-                    <a:bodyPr/>
-                    <a:lstStyle/>
-                    <a:p>
-                      <a:r>
-                        <a:rPr lang="en-US" dirty="0" smtClean="0"/>
-                        <a:t>Nhóm</a:t>
-                      </a:r>
-                      <a:endParaRPr lang="en-US" dirty="0"/>
-                    </a:p>
-                  </a:txBody>
-                  <a:tcPr/>
-                </a:tc>
-                <a:tc>
-                  <a:txBody>
-                    <a:bodyPr/>
-                    <a:lstStyle/>
-                    <a:p>
-                      <a:r>
-                        <a:rPr lang="en-US" dirty="0" smtClean="0"/>
-                        <a:t>Chức</a:t>
-                      </a:r>
-                      <a:r>
-                        <a:rPr lang="en-US" baseline="0" dirty="0" smtClean="0"/>
-                        <a:t> năng</a:t>
-                      </a:r>
-                      <a:endParaRPr lang="en-US" dirty="0"/>
-                    </a:p>
-                  </a:txBody>
-                  <a:tcPr/>
-                </a:tc>
-                <a:extLst>
-                  <a:ext uri="{0D108BD9-81ED-4DB2-BD59-A6C34878D82A}">
-                    <a16:rowId xmlns:a16="http://schemas.microsoft.com/office/drawing/2014/main" val="2162396389"/>
-                  </a:ext>
-                </a:extLst>
-              </a:tr>
-              <a:tr h="370840">
-                <a:tc>
-                  <a:txBody>
-                    <a:bodyPr/>
-                    <a:lstStyle/>
-                    <a:p>
-                      <a:r>
-                        <a:rPr lang="en-US" dirty="0"/>
-                        <a:t>📦 Quản lý sản phẩm</a:t>
-                      </a:r>
-                    </a:p>
-                  </a:txBody>
-                  <a:tcPr anchor="ctr"/>
-                </a:tc>
-                <a:tc>
-                  <a:txBody>
-                    <a:bodyPr/>
-                    <a:lstStyle/>
-                    <a:p>
-                      <a:r>
-                        <a:rPr lang="en-US" dirty="0"/>
-                        <a:t>Import sản phẩm từ Excel, tìm kiếm, cập nhật</a:t>
-                      </a:r>
-                    </a:p>
-                  </a:txBody>
-                  <a:tcPr anchor="ctr"/>
-                </a:tc>
-                <a:extLst>
-                  <a:ext uri="{0D108BD9-81ED-4DB2-BD59-A6C34878D82A}">
-                    <a16:rowId xmlns:a16="http://schemas.microsoft.com/office/drawing/2014/main" val="2587109906"/>
-                  </a:ext>
-                </a:extLst>
-              </a:tr>
-              <a:tr h="370840">
-                <a:tc>
-                  <a:txBody>
-                    <a:bodyPr/>
-                    <a:lstStyle/>
-                    <a:p>
-                      <a:r>
-                        <a:rPr lang="en-US" dirty="0"/>
-                        <a:t>🔍 Quét mã vạch</a:t>
-                      </a:r>
-                    </a:p>
-                  </a:txBody>
-                  <a:tcPr anchor="ctr"/>
-                </a:tc>
-                <a:tc>
-                  <a:txBody>
-                    <a:bodyPr/>
-                    <a:lstStyle/>
-                    <a:p>
-                      <a:r>
-                        <a:rPr lang="en-US" dirty="0"/>
-                        <a:t>Dùng camera / thiết bị scan barcode</a:t>
-                      </a:r>
-                    </a:p>
-                  </a:txBody>
-                  <a:tcPr anchor="ctr"/>
-                </a:tc>
-                <a:extLst>
-                  <a:ext uri="{0D108BD9-81ED-4DB2-BD59-A6C34878D82A}">
-                    <a16:rowId xmlns:a16="http://schemas.microsoft.com/office/drawing/2014/main" val="3209607374"/>
-                  </a:ext>
-                </a:extLst>
-              </a:tr>
-              <a:tr h="370840">
-                <a:tc>
-                  <a:txBody>
-                    <a:bodyPr/>
-                    <a:lstStyle/>
-                    <a:p>
-                      <a:r>
-                        <a:rPr lang="en-US" dirty="0"/>
-                        <a:t>📋 Kiểm kê hàng</a:t>
-                      </a:r>
-                    </a:p>
-                  </a:txBody>
-                  <a:tcPr anchor="ctr"/>
-                </a:tc>
-                <a:tc>
-                  <a:txBody>
-                    <a:bodyPr/>
-                    <a:lstStyle/>
-                    <a:p>
-                      <a:r>
-                        <a:rPr lang="vi-VN" dirty="0"/>
-                        <a:t>Hiển thị thông tin SP, nhập số lượng thực tế</a:t>
-                      </a:r>
-                    </a:p>
-                  </a:txBody>
-                  <a:tcPr anchor="ctr"/>
-                </a:tc>
-                <a:extLst>
-                  <a:ext uri="{0D108BD9-81ED-4DB2-BD59-A6C34878D82A}">
-                    <a16:rowId xmlns:a16="http://schemas.microsoft.com/office/drawing/2014/main" val="1304157433"/>
-                  </a:ext>
-                </a:extLst>
-              </a:tr>
-              <a:tr h="370840">
-                <a:tc>
-                  <a:txBody>
-                    <a:bodyPr/>
-                    <a:lstStyle/>
-                    <a:p>
-                      <a:r>
-                        <a:rPr lang="en-US" dirty="0"/>
-                        <a:t>🔄 Đồng bộ dữ liệu</a:t>
-                      </a:r>
-                    </a:p>
-                  </a:txBody>
-                  <a:tcPr anchor="ctr"/>
-                </a:tc>
-                <a:tc>
-                  <a:txBody>
-                    <a:bodyPr/>
-                    <a:lstStyle/>
-                    <a:p>
-                      <a:r>
-                        <a:rPr lang="en-US" dirty="0"/>
-                        <a:t>Gửi dữ liệu kiểm kê về server</a:t>
-                      </a:r>
-                    </a:p>
-                  </a:txBody>
-                  <a:tcPr anchor="ctr"/>
-                </a:tc>
-                <a:extLst>
-                  <a:ext uri="{0D108BD9-81ED-4DB2-BD59-A6C34878D82A}">
-                    <a16:rowId xmlns:a16="http://schemas.microsoft.com/office/drawing/2014/main" val="722624134"/>
-                  </a:ext>
-                </a:extLst>
-              </a:tr>
-              <a:tr h="370840">
-                <a:tc>
-                  <a:txBody>
-                    <a:bodyPr/>
-                    <a:lstStyle/>
-                    <a:p>
-                      <a:r>
-                        <a:rPr lang="en-US" dirty="0"/>
-                        <a:t>🧾 Báo cáo</a:t>
-                      </a:r>
-                    </a:p>
-                  </a:txBody>
-                  <a:tcPr anchor="ctr"/>
-                </a:tc>
-                <a:tc>
-                  <a:txBody>
-                    <a:bodyPr/>
-                    <a:lstStyle/>
-                    <a:p>
-                      <a:r>
-                        <a:rPr lang="en-US" dirty="0"/>
-                        <a:t>Xem lịch sử kiểm kê, xuất báo cáo chênh lệch</a:t>
-                      </a:r>
-                    </a:p>
-                  </a:txBody>
-                  <a:tcPr anchor="ctr"/>
-                </a:tc>
-                <a:extLst>
-                  <a:ext uri="{0D108BD9-81ED-4DB2-BD59-A6C34878D82A}">
-                    <a16:rowId xmlns:a16="http://schemas.microsoft.com/office/drawing/2014/main" val="169082218"/>
-                  </a:ext>
-                </a:extLst>
-              </a:tr>
-              <a:tr h="370840">
-                <a:tc>
-                  <a:txBody>
-                    <a:bodyPr/>
-                    <a:lstStyle/>
-                    <a:p>
-                      <a:r>
-                        <a:rPr lang="en-US" dirty="0"/>
-                        <a:t>👤 </a:t>
-                      </a:r>
-                      <a:r>
-                        <a:rPr lang="vi-VN" dirty="0"/>
-                        <a:t>Quản lý người dùng</a:t>
-                      </a:r>
-                    </a:p>
-                  </a:txBody>
-                  <a:tcPr anchor="ctr"/>
-                </a:tc>
-                <a:tc>
-                  <a:txBody>
-                    <a:bodyPr/>
-                    <a:lstStyle/>
-                    <a:p>
-                      <a:r>
-                        <a:rPr lang="en-US" dirty="0"/>
-                        <a:t>Phân quyền: admin, nhân viên kiểm kê</a:t>
-                      </a:r>
-                    </a:p>
-                  </a:txBody>
-                  <a:tcPr anchor="ctr"/>
-                </a:tc>
-                <a:extLst>
-                  <a:ext uri="{0D108BD9-81ED-4DB2-BD59-A6C34878D82A}">
-                    <a16:rowId xmlns:a16="http://schemas.microsoft.com/office/drawing/2014/main" val="1724047449"/>
-                  </a:ext>
-                </a:extLst>
-              </a:tr>
-            </a:tbl>
-          </a:graphicData>
-        </a:graphic>
-      </p:graphicFrame>
+      </p:pic>
     </p:spTree>
     <p:extLst>
       <p:ext uri="{BB962C8B-B14F-4D97-AF65-F5344CB8AC3E}">
-        <p14:creationId xmlns:p14="http://schemas.microsoft.com/office/powerpoint/2010/main" val="1619761904"/>
+        <p14:creationId xmlns:p14="http://schemas.microsoft.com/office/powerpoint/2010/main" val="154716560"/>
       </p:ext>
     </p:extLst>
   </p:cSld>
@@ -4450,420 +4268,6 @@
 </p:sld>
 </file>
 
-<file path=ppt/slides/slide8.xml><?xml version="1.0" encoding="utf-8"?>
-<p:sld xmlns:a="http://schemas.openxmlformats.org/drawingml/2006/main" xmlns:r="http://schemas.openxmlformats.org/officeDocument/2006/relationships" xmlns:p="http://schemas.openxmlformats.org/presentationml/2006/main">
-  <p:cSld>
-    <p:spTree>
-      <p:nvGrpSpPr>
-        <p:cNvPr id="1" name=""/>
-        <p:cNvGrpSpPr/>
-        <p:nvPr/>
-      </p:nvGrpSpPr>
-      <p:grpSpPr>
-        <a:xfrm>
-          <a:off x="0" y="0"/>
-          <a:ext cx="0" cy="0"/>
-          <a:chOff x="0" y="0"/>
-          <a:chExt cx="0" cy="0"/>
-        </a:xfrm>
-      </p:grpSpPr>
-      <p:sp>
-        <p:nvSpPr>
-          <p:cNvPr id="2" name="Title 1"/>
-          <p:cNvSpPr>
-            <a:spLocks noGrp="1"/>
-          </p:cNvSpPr>
-          <p:nvPr>
-            <p:ph type="ctrTitle"/>
-          </p:nvPr>
-        </p:nvSpPr>
-        <p:spPr>
-          <a:xfrm>
-            <a:off x="1524000" y="1214438"/>
-            <a:ext cx="9144000" cy="888682"/>
-          </a:xfrm>
-        </p:spPr>
-        <p:txBody>
-          <a:bodyPr>
-            <a:normAutofit fontScale="90000"/>
-          </a:bodyPr>
-          <a:lstStyle/>
-          <a:p>
-            <a:r>
-              <a:rPr lang="en-US" b="1" dirty="0" smtClean="0"/>
-              <a:t>📁 Output mẫu sau khi kiểm kê</a:t>
-            </a:r>
-            <a:endParaRPr lang="en-US" b="1" dirty="0"/>
-          </a:p>
-        </p:txBody>
-      </p:sp>
-      <p:sp>
-        <p:nvSpPr>
-          <p:cNvPr id="3" name="Subtitle 2"/>
-          <p:cNvSpPr>
-            <a:spLocks noGrp="1"/>
-          </p:cNvSpPr>
-          <p:nvPr>
-            <p:ph type="subTitle" idx="1"/>
-          </p:nvPr>
-        </p:nvSpPr>
-        <p:spPr>
-          <a:xfrm>
-            <a:off x="1524000" y="2219498"/>
-            <a:ext cx="9144000" cy="4497186"/>
-          </a:xfrm>
-        </p:spPr>
-        <p:txBody>
-          <a:bodyPr>
-            <a:noAutofit/>
-          </a:bodyPr>
-          <a:lstStyle/>
-          <a:p>
-            <a:pPr algn="l"/>
-            <a:endParaRPr lang="vi-VN" sz="800" dirty="0"/>
-          </a:p>
-        </p:txBody>
-      </p:sp>
-      <p:graphicFrame>
-        <p:nvGraphicFramePr>
-          <p:cNvPr id="5" name="Table 4"/>
-          <p:cNvGraphicFramePr>
-            <a:graphicFrameLocks noGrp="1"/>
-          </p:cNvGraphicFramePr>
-          <p:nvPr>
-            <p:extLst>
-              <p:ext uri="{D42A27DB-BD31-4B8C-83A1-F6EECF244321}">
-                <p14:modId xmlns:p14="http://schemas.microsoft.com/office/powerpoint/2010/main" val="262598494"/>
-              </p:ext>
-            </p:extLst>
-          </p:nvPr>
-        </p:nvGraphicFramePr>
-        <p:xfrm>
-          <a:off x="1624677" y="2277687"/>
-          <a:ext cx="8300718" cy="1925012"/>
-        </p:xfrm>
-        <a:graphic>
-          <a:graphicData uri="http://schemas.openxmlformats.org/drawingml/2006/table">
-            <a:tbl>
-              <a:tblPr firstRow="1" bandRow="1">
-                <a:tableStyleId>{5C22544A-7EE6-4342-B048-85BDC9FD1C3A}</a:tableStyleId>
-              </a:tblPr>
-              <a:tblGrid>
-                <a:gridCol w="1383453">
-                  <a:extLst>
-                    <a:ext uri="{9D8B030D-6E8A-4147-A177-3AD203B41FA5}">
-                      <a16:colId xmlns:a16="http://schemas.microsoft.com/office/drawing/2014/main" val="3519328058"/>
-                    </a:ext>
-                  </a:extLst>
-                </a:gridCol>
-                <a:gridCol w="1383453">
-                  <a:extLst>
-                    <a:ext uri="{9D8B030D-6E8A-4147-A177-3AD203B41FA5}">
-                      <a16:colId xmlns:a16="http://schemas.microsoft.com/office/drawing/2014/main" val="1102091490"/>
-                    </a:ext>
-                  </a:extLst>
-                </a:gridCol>
-                <a:gridCol w="1383453">
-                  <a:extLst>
-                    <a:ext uri="{9D8B030D-6E8A-4147-A177-3AD203B41FA5}">
-                      <a16:colId xmlns:a16="http://schemas.microsoft.com/office/drawing/2014/main" val="3954162691"/>
-                    </a:ext>
-                  </a:extLst>
-                </a:gridCol>
-                <a:gridCol w="1383453">
-                  <a:extLst>
-                    <a:ext uri="{9D8B030D-6E8A-4147-A177-3AD203B41FA5}">
-                      <a16:colId xmlns:a16="http://schemas.microsoft.com/office/drawing/2014/main" val="4237870277"/>
-                    </a:ext>
-                  </a:extLst>
-                </a:gridCol>
-                <a:gridCol w="1383453">
-                  <a:extLst>
-                    <a:ext uri="{9D8B030D-6E8A-4147-A177-3AD203B41FA5}">
-                      <a16:colId xmlns:a16="http://schemas.microsoft.com/office/drawing/2014/main" val="2306797121"/>
-                    </a:ext>
-                  </a:extLst>
-                </a:gridCol>
-                <a:gridCol w="1383453">
-                  <a:extLst>
-                    <a:ext uri="{9D8B030D-6E8A-4147-A177-3AD203B41FA5}">
-                      <a16:colId xmlns:a16="http://schemas.microsoft.com/office/drawing/2014/main" val="2326121641"/>
-                    </a:ext>
-                  </a:extLst>
-                </a:gridCol>
-              </a:tblGrid>
-              <a:tr h="644852">
-                <a:tc>
-                  <a:txBody>
-                    <a:bodyPr/>
-                    <a:lstStyle/>
-                    <a:p>
-                      <a:r>
-                        <a:rPr lang="en-US"/>
-                        <a:t>Mã SP</a:t>
-                      </a:r>
-                    </a:p>
-                  </a:txBody>
-                  <a:tcPr anchor="ctr"/>
-                </a:tc>
-                <a:tc>
-                  <a:txBody>
-                    <a:bodyPr/>
-                    <a:lstStyle/>
-                    <a:p>
-                      <a:r>
-                        <a:rPr lang="en-US"/>
-                        <a:t>Tên SP</a:t>
-                      </a:r>
-                    </a:p>
-                  </a:txBody>
-                  <a:tcPr anchor="ctr"/>
-                </a:tc>
-                <a:tc>
-                  <a:txBody>
-                    <a:bodyPr/>
-                    <a:lstStyle/>
-                    <a:p>
-                      <a:r>
-                        <a:rPr lang="en-US"/>
-                        <a:t>Lý thuyết</a:t>
-                      </a:r>
-                    </a:p>
-                  </a:txBody>
-                  <a:tcPr anchor="ctr"/>
-                </a:tc>
-                <a:tc>
-                  <a:txBody>
-                    <a:bodyPr/>
-                    <a:lstStyle/>
-                    <a:p>
-                      <a:r>
-                        <a:rPr lang="en-US" dirty="0"/>
-                        <a:t>Thực tế</a:t>
-                      </a:r>
-                    </a:p>
-                  </a:txBody>
-                  <a:tcPr anchor="ctr"/>
-                </a:tc>
-                <a:tc>
-                  <a:txBody>
-                    <a:bodyPr/>
-                    <a:lstStyle/>
-                    <a:p>
-                      <a:r>
-                        <a:rPr lang="en-US"/>
-                        <a:t>Chênh lệch</a:t>
-                      </a:r>
-                    </a:p>
-                  </a:txBody>
-                  <a:tcPr anchor="ctr"/>
-                </a:tc>
-                <a:tc>
-                  <a:txBody>
-                    <a:bodyPr/>
-                    <a:lstStyle/>
-                    <a:p>
-                      <a:r>
-                        <a:rPr lang="vi-VN" dirty="0"/>
-                        <a:t>Người kiểm</a:t>
-                      </a:r>
-                    </a:p>
-                  </a:txBody>
-                  <a:tcPr anchor="ctr"/>
-                </a:tc>
-                <a:extLst>
-                  <a:ext uri="{0D108BD9-81ED-4DB2-BD59-A6C34878D82A}">
-                    <a16:rowId xmlns:a16="http://schemas.microsoft.com/office/drawing/2014/main" val="2311225762"/>
-                  </a:ext>
-                </a:extLst>
-              </a:tr>
-              <a:tr h="370840">
-                <a:tc>
-                  <a:txBody>
-                    <a:bodyPr/>
-                    <a:lstStyle/>
-                    <a:p>
-                      <a:r>
-                        <a:rPr lang="en-US"/>
-                        <a:t>8938…</a:t>
-                      </a:r>
-                    </a:p>
-                  </a:txBody>
-                  <a:tcPr anchor="ctr"/>
-                </a:tc>
-                <a:tc>
-                  <a:txBody>
-                    <a:bodyPr/>
-                    <a:lstStyle/>
-                    <a:p>
-                      <a:r>
-                        <a:rPr lang="vi-VN" dirty="0"/>
-                        <a:t>Nước suối Lavie</a:t>
-                      </a:r>
-                    </a:p>
-                  </a:txBody>
-                  <a:tcPr anchor="ctr"/>
-                </a:tc>
-                <a:tc>
-                  <a:txBody>
-                    <a:bodyPr/>
-                    <a:lstStyle/>
-                    <a:p>
-                      <a:r>
-                        <a:rPr lang="en-US"/>
-                        <a:t>120</a:t>
-                      </a:r>
-                    </a:p>
-                  </a:txBody>
-                  <a:tcPr anchor="ctr"/>
-                </a:tc>
-                <a:tc>
-                  <a:txBody>
-                    <a:bodyPr/>
-                    <a:lstStyle/>
-                    <a:p>
-                      <a:r>
-                        <a:rPr lang="en-US"/>
-                        <a:t>118</a:t>
-                      </a:r>
-                    </a:p>
-                  </a:txBody>
-                  <a:tcPr anchor="ctr"/>
-                </a:tc>
-                <a:tc>
-                  <a:txBody>
-                    <a:bodyPr/>
-                    <a:lstStyle/>
-                    <a:p>
-                      <a:r>
-                        <a:rPr lang="en-US"/>
-                        <a:t>-2</a:t>
-                      </a:r>
-                    </a:p>
-                  </a:txBody>
-                  <a:tcPr anchor="ctr"/>
-                </a:tc>
-                <a:tc>
-                  <a:txBody>
-                    <a:bodyPr/>
-                    <a:lstStyle/>
-                    <a:p>
-                      <a:r>
-                        <a:rPr lang="en-US"/>
-                        <a:t>Nguyễn A</a:t>
-                      </a:r>
-                    </a:p>
-                  </a:txBody>
-                  <a:tcPr anchor="ctr"/>
-                </a:tc>
-                <a:extLst>
-                  <a:ext uri="{0D108BD9-81ED-4DB2-BD59-A6C34878D82A}">
-                    <a16:rowId xmlns:a16="http://schemas.microsoft.com/office/drawing/2014/main" val="1279874732"/>
-                  </a:ext>
-                </a:extLst>
-              </a:tr>
-              <a:tr h="370840">
-                <a:tc>
-                  <a:txBody>
-                    <a:bodyPr/>
-                    <a:lstStyle/>
-                    <a:p>
-                      <a:r>
-                        <a:rPr lang="en-US"/>
-                        <a:t>8938…</a:t>
-                      </a:r>
-                    </a:p>
-                  </a:txBody>
-                  <a:tcPr anchor="ctr"/>
-                </a:tc>
-                <a:tc>
-                  <a:txBody>
-                    <a:bodyPr/>
-                    <a:lstStyle/>
-                    <a:p>
-                      <a:r>
-                        <a:rPr lang="en-US" dirty="0"/>
-                        <a:t>Sữa TH True Milk</a:t>
-                      </a:r>
-                    </a:p>
-                  </a:txBody>
-                  <a:tcPr anchor="ctr"/>
-                </a:tc>
-                <a:tc>
-                  <a:txBody>
-                    <a:bodyPr/>
-                    <a:lstStyle/>
-                    <a:p>
-                      <a:r>
-                        <a:rPr lang="en-US" dirty="0"/>
-                        <a:t>50</a:t>
-                      </a:r>
-                    </a:p>
-                  </a:txBody>
-                  <a:tcPr anchor="ctr"/>
-                </a:tc>
-                <a:tc>
-                  <a:txBody>
-                    <a:bodyPr/>
-                    <a:lstStyle/>
-                    <a:p>
-                      <a:r>
-                        <a:rPr lang="en-US"/>
-                        <a:t>52</a:t>
-                      </a:r>
-                    </a:p>
-                  </a:txBody>
-                  <a:tcPr anchor="ctr"/>
-                </a:tc>
-                <a:tc>
-                  <a:txBody>
-                    <a:bodyPr/>
-                    <a:lstStyle/>
-                    <a:p>
-                      <a:r>
-                        <a:rPr lang="en-US"/>
-                        <a:t>+2</a:t>
-                      </a:r>
-                    </a:p>
-                  </a:txBody>
-                  <a:tcPr anchor="ctr"/>
-                </a:tc>
-                <a:tc>
-                  <a:txBody>
-                    <a:bodyPr/>
-                    <a:lstStyle/>
-                    <a:p>
-                      <a:r>
-                        <a:rPr lang="en-US" dirty="0"/>
-                        <a:t>Nguyễn B</a:t>
-                      </a:r>
-                    </a:p>
-                  </a:txBody>
-                  <a:tcPr anchor="ctr"/>
-                </a:tc>
-                <a:extLst>
-                  <a:ext uri="{0D108BD9-81ED-4DB2-BD59-A6C34878D82A}">
-                    <a16:rowId xmlns:a16="http://schemas.microsoft.com/office/drawing/2014/main" val="1643809072"/>
-                  </a:ext>
-                </a:extLst>
-              </a:tr>
-            </a:tbl>
-          </a:graphicData>
-        </a:graphic>
-      </p:graphicFrame>
-    </p:spTree>
-    <p:extLst>
-      <p:ext uri="{BB962C8B-B14F-4D97-AF65-F5344CB8AC3E}">
-        <p14:creationId xmlns:p14="http://schemas.microsoft.com/office/powerpoint/2010/main" val="3887059756"/>
-      </p:ext>
-    </p:extLst>
-  </p:cSld>
-  <p:clrMapOvr>
-    <a:masterClrMapping/>
-  </p:clrMapOvr>
-</p:sld>
-</file>
-
 <file path=ppt/theme/theme1.xml><?xml version="1.0" encoding="utf-8"?>
 <a:theme xmlns:a="http://schemas.openxmlformats.org/drawingml/2006/main" name="Office Theme">
   <a:themeElements>
